--- a/ppts/3-Web-Crawling-1 (urllib&bs4).pptx
+++ b/ppts/3-Web-Crawling-1 (urllib&bs4).pptx
@@ -125,7 +125,7 @@
   </p:defaultTextStyle>
   <p:extLst>
     <p:ext uri="{EFAFB233-063F-42B5-8137-9DF3F51BA10A}">
-      <p15:sldGuideLst xmlns="" xmlns:p15="http://schemas.microsoft.com/office/powerpoint/2012/main">
+      <p15:sldGuideLst xmlns:p15="http://schemas.microsoft.com/office/powerpoint/2012/main" xmlns="">
         <p15:guide id="1" orient="horz" pos="2160">
           <p15:clr>
             <a:srgbClr val="A4A3A4"/>
@@ -224,7 +224,7 @@
           <a:p>
             <a:fld id="{CEAA3041-7D72-4C0E-BE15-C88E3A556839}" type="datetimeFigureOut">
               <a:rPr lang="ko-KR" altLang="en-US" smtClean="0"/>
-              <a:t>2018-02-07</a:t>
+              <a:t>2018-03-08</a:t>
             </a:fld>
             <a:endParaRPr lang="ko-KR" altLang="en-US"/>
           </a:p>
@@ -623,7 +623,7 @@
           <a:p>
             <a:fld id="{1D0AE3C4-1F9F-4A56-BCEB-B2DB79A318C1}" type="datetimeFigureOut">
               <a:rPr lang="ko-KR" altLang="en-US" smtClean="0"/>
-              <a:t>2018-02-07</a:t>
+              <a:t>2018-03-08</a:t>
             </a:fld>
             <a:endParaRPr lang="ko-KR" altLang="en-US"/>
           </a:p>
@@ -793,7 +793,7 @@
           <a:p>
             <a:fld id="{1D0AE3C4-1F9F-4A56-BCEB-B2DB79A318C1}" type="datetimeFigureOut">
               <a:rPr lang="ko-KR" altLang="en-US" smtClean="0"/>
-              <a:t>2018-02-07</a:t>
+              <a:t>2018-03-08</a:t>
             </a:fld>
             <a:endParaRPr lang="ko-KR" altLang="en-US"/>
           </a:p>
@@ -973,7 +973,7 @@
           <a:p>
             <a:fld id="{1D0AE3C4-1F9F-4A56-BCEB-B2DB79A318C1}" type="datetimeFigureOut">
               <a:rPr lang="ko-KR" altLang="en-US" smtClean="0"/>
-              <a:t>2018-02-07</a:t>
+              <a:t>2018-03-08</a:t>
             </a:fld>
             <a:endParaRPr lang="ko-KR" altLang="en-US"/>
           </a:p>
@@ -1143,7 +1143,7 @@
           <a:p>
             <a:fld id="{1D0AE3C4-1F9F-4A56-BCEB-B2DB79A318C1}" type="datetimeFigureOut">
               <a:rPr lang="ko-KR" altLang="en-US" smtClean="0"/>
-              <a:t>2018-02-07</a:t>
+              <a:t>2018-03-08</a:t>
             </a:fld>
             <a:endParaRPr lang="ko-KR" altLang="en-US"/>
           </a:p>
@@ -1387,7 +1387,7 @@
           <a:p>
             <a:fld id="{1D0AE3C4-1F9F-4A56-BCEB-B2DB79A318C1}" type="datetimeFigureOut">
               <a:rPr lang="ko-KR" altLang="en-US" smtClean="0"/>
-              <a:t>2018-02-07</a:t>
+              <a:t>2018-03-08</a:t>
             </a:fld>
             <a:endParaRPr lang="ko-KR" altLang="en-US"/>
           </a:p>
@@ -1619,7 +1619,7 @@
           <a:p>
             <a:fld id="{1D0AE3C4-1F9F-4A56-BCEB-B2DB79A318C1}" type="datetimeFigureOut">
               <a:rPr lang="ko-KR" altLang="en-US" smtClean="0"/>
-              <a:t>2018-02-07</a:t>
+              <a:t>2018-03-08</a:t>
             </a:fld>
             <a:endParaRPr lang="ko-KR" altLang="en-US"/>
           </a:p>
@@ -1986,7 +1986,7 @@
           <a:p>
             <a:fld id="{1D0AE3C4-1F9F-4A56-BCEB-B2DB79A318C1}" type="datetimeFigureOut">
               <a:rPr lang="ko-KR" altLang="en-US" smtClean="0"/>
-              <a:t>2018-02-07</a:t>
+              <a:t>2018-03-08</a:t>
             </a:fld>
             <a:endParaRPr lang="ko-KR" altLang="en-US"/>
           </a:p>
@@ -2104,7 +2104,7 @@
           <a:p>
             <a:fld id="{1D0AE3C4-1F9F-4A56-BCEB-B2DB79A318C1}" type="datetimeFigureOut">
               <a:rPr lang="ko-KR" altLang="en-US" smtClean="0"/>
-              <a:t>2018-02-07</a:t>
+              <a:t>2018-03-08</a:t>
             </a:fld>
             <a:endParaRPr lang="ko-KR" altLang="en-US"/>
           </a:p>
@@ -2199,7 +2199,7 @@
           <a:p>
             <a:fld id="{1D0AE3C4-1F9F-4A56-BCEB-B2DB79A318C1}" type="datetimeFigureOut">
               <a:rPr lang="ko-KR" altLang="en-US" smtClean="0"/>
-              <a:t>2018-02-07</a:t>
+              <a:t>2018-03-08</a:t>
             </a:fld>
             <a:endParaRPr lang="ko-KR" altLang="en-US"/>
           </a:p>
@@ -2476,7 +2476,7 @@
           <a:p>
             <a:fld id="{1D0AE3C4-1F9F-4A56-BCEB-B2DB79A318C1}" type="datetimeFigureOut">
               <a:rPr lang="ko-KR" altLang="en-US" smtClean="0"/>
-              <a:t>2018-02-07</a:t>
+              <a:t>2018-03-08</a:t>
             </a:fld>
             <a:endParaRPr lang="ko-KR" altLang="en-US"/>
           </a:p>
@@ -2733,7 +2733,7 @@
           <a:p>
             <a:fld id="{1D0AE3C4-1F9F-4A56-BCEB-B2DB79A318C1}" type="datetimeFigureOut">
               <a:rPr lang="ko-KR" altLang="en-US" smtClean="0"/>
-              <a:t>2018-02-07</a:t>
+              <a:t>2018-03-08</a:t>
             </a:fld>
             <a:endParaRPr lang="ko-KR" altLang="en-US"/>
           </a:p>
@@ -2946,7 +2946,7 @@
           <a:p>
             <a:fld id="{1D0AE3C4-1F9F-4A56-BCEB-B2DB79A318C1}" type="datetimeFigureOut">
               <a:rPr lang="ko-KR" altLang="en-US" smtClean="0"/>
-              <a:t>2018-02-07</a:t>
+              <a:t>2018-03-08</a:t>
             </a:fld>
             <a:endParaRPr lang="ko-KR" altLang="en-US"/>
           </a:p>
@@ -4769,20 +4769,7 @@
                 <a:latin typeface="Arial" panose="020B0604020202020204" pitchFamily="34" charset="0"/>
                 <a:cs typeface="Arial" panose="020B0604020202020204" pitchFamily="34" charset="0"/>
               </a:rPr>
-              <a:t>다음 줄에 영어 단어의 의미</a:t>
-            </a:r>
-            <a:r>
-              <a:rPr lang="ko-KR" altLang="en-US" sz="1600" dirty="0" smtClean="0">
-                <a:solidFill>
-                  <a:schemeClr val="tx1">
-                    <a:lumMod val="75000"/>
-                    <a:lumOff val="25000"/>
-                  </a:schemeClr>
-                </a:solidFill>
-                <a:latin typeface="Arial" panose="020B0604020202020204" pitchFamily="34" charset="0"/>
-                <a:cs typeface="Arial" panose="020B0604020202020204" pitchFamily="34" charset="0"/>
-              </a:rPr>
-              <a:t>를 출력한다</a:t>
+              <a:t>다음 줄에 영어 단어의 의미를 출력한다</a:t>
             </a:r>
             <a:endParaRPr lang="en-US" altLang="ko-KR" dirty="0" smtClean="0">
               <a:solidFill>
@@ -6327,16 +6314,6 @@
               </a:rPr>
               <a:t>	</a:t>
             </a:r>
-            <a:endParaRPr lang="en-US" altLang="ko-KR" sz="1600" dirty="0">
-              <a:solidFill>
-                <a:schemeClr val="tx1">
-                  <a:lumMod val="75000"/>
-                  <a:lumOff val="25000"/>
-                </a:schemeClr>
-              </a:solidFill>
-              <a:latin typeface="Arial" panose="020B0604020202020204" pitchFamily="34" charset="0"/>
-              <a:cs typeface="Arial" panose="020B0604020202020204" pitchFamily="34" charset="0"/>
-            </a:endParaRPr>
           </a:p>
           <a:p>
             <a:pPr lvl="1" algn="just"/>
@@ -9988,17 +9965,17 @@
               <a:buChar char=""/>
             </a:pPr>
             <a:r>
-              <a:rPr lang="en-US" altLang="ko-KR" dirty="0" smtClean="0">
-                <a:solidFill>
-                  <a:schemeClr val="tx1">
-                    <a:lumMod val="75000"/>
-                    <a:lumOff val="25000"/>
-                  </a:schemeClr>
-                </a:solidFill>
-                <a:latin typeface="Arial" panose="020B0604020202020204" pitchFamily="34" charset="0"/>
-                <a:cs typeface="Arial" panose="020B0604020202020204" pitchFamily="34" charset="0"/>
-              </a:rPr>
-              <a:t>HTTP </a:t>
+              <a:rPr lang="en-US" altLang="ko-KR" smtClean="0">
+                <a:solidFill>
+                  <a:schemeClr val="tx1">
+                    <a:lumMod val="75000"/>
+                    <a:lumOff val="25000"/>
+                  </a:schemeClr>
+                </a:solidFill>
+                <a:latin typeface="Arial" panose="020B0604020202020204" pitchFamily="34" charset="0"/>
+                <a:cs typeface="Arial" panose="020B0604020202020204" pitchFamily="34" charset="0"/>
+              </a:rPr>
+              <a:t>HTTP(S) </a:t>
             </a:r>
             <a:r>
               <a:rPr lang="ko-KR" altLang="en-US" dirty="0" smtClean="0">
@@ -16215,7 +16192,7 @@
   <a:extraClrSchemeLst/>
   <a:extLst>
     <a:ext uri="{05A4C25C-085E-4340-85A3-A5531E510DB2}">
-      <thm15:themeFamily xmlns="" xmlns:thm15="http://schemas.microsoft.com/office/thememl/2012/main" name="Office Theme" id="{62F939B6-93AF-4DB8-9C6B-D6C7DFDC589F}" vid="{4A3C46E8-61CC-4603-A589-7422A47A8E4A}"/>
+      <thm15:themeFamily xmlns:thm15="http://schemas.microsoft.com/office/thememl/2012/main" xmlns="" name="Office Theme" id="{62F939B6-93AF-4DB8-9C6B-D6C7DFDC589F}" vid="{4A3C46E8-61CC-4603-A589-7422A47A8E4A}"/>
     </a:ext>
   </a:extLst>
 </a:theme>
@@ -16476,7 +16453,7 @@
   <a:extraClrSchemeLst/>
   <a:extLst>
     <a:ext uri="{05A4C25C-085E-4340-85A3-A5531E510DB2}">
-      <thm15:themeFamily xmlns="" xmlns:thm15="http://schemas.microsoft.com/office/thememl/2012/main" name="Office Theme" id="{62F939B6-93AF-4DB8-9C6B-D6C7DFDC589F}" vid="{4A3C46E8-61CC-4603-A589-7422A47A8E4A}"/>
+      <thm15:themeFamily xmlns:thm15="http://schemas.microsoft.com/office/thememl/2012/main" xmlns="" name="Office Theme" id="{62F939B6-93AF-4DB8-9C6B-D6C7DFDC589F}" vid="{4A3C46E8-61CC-4603-A589-7422A47A8E4A}"/>
     </a:ext>
   </a:extLst>
 </a:theme>
